--- a/story_telling_case_study/Presnetation.pptx
+++ b/story_telling_case_study/Presnetation.pptx
@@ -5478,54 +5478,6 @@
           </a:p>
         </p:txBody>
       </p:sp>
-      <p:pic>
-        <p:nvPicPr>
-          <p:cNvPr id="5" name="Picture 4" descr="Residual_vs_Observed"/>
-          <p:cNvPicPr>
-            <a:picLocks noChangeAspect="1"/>
-          </p:cNvPicPr>
-          <p:nvPr/>
-        </p:nvPicPr>
-        <p:blipFill>
-          <a:blip r:embed="rId1"/>
-          <a:stretch>
-            <a:fillRect/>
-          </a:stretch>
-        </p:blipFill>
-        <p:spPr>
-          <a:xfrm>
-            <a:off x="0" y="1691005"/>
-            <a:ext cx="4198620" cy="4251960"/>
-          </a:xfrm>
-          <a:prstGeom prst="rect">
-            <a:avLst/>
-          </a:prstGeom>
-        </p:spPr>
-      </p:pic>
-      <p:pic>
-        <p:nvPicPr>
-          <p:cNvPr id="6" name="Picture 5" descr="Histogram of Residuals"/>
-          <p:cNvPicPr>
-            <a:picLocks noChangeAspect="1"/>
-          </p:cNvPicPr>
-          <p:nvPr/>
-        </p:nvPicPr>
-        <p:blipFill>
-          <a:blip r:embed="rId2"/>
-          <a:stretch>
-            <a:fillRect/>
-          </a:stretch>
-        </p:blipFill>
-        <p:spPr>
-          <a:xfrm>
-            <a:off x="4430395" y="1691005"/>
-            <a:ext cx="4387850" cy="4069080"/>
-          </a:xfrm>
-          <a:prstGeom prst="rect">
-            <a:avLst/>
-          </a:prstGeom>
-        </p:spPr>
-      </p:pic>
       <p:sp>
         <p:nvSpPr>
           <p:cNvPr id="7" name="Title 6"/>
@@ -5585,6 +5537,54 @@
           </a:p>
         </p:txBody>
       </p:sp>
+      <p:pic>
+        <p:nvPicPr>
+          <p:cNvPr id="2" name="Picture 1" descr="Histogram of Residuals"/>
+          <p:cNvPicPr>
+            <a:picLocks noChangeAspect="1"/>
+          </p:cNvPicPr>
+          <p:nvPr/>
+        </p:nvPicPr>
+        <p:blipFill>
+          <a:blip r:embed="rId1"/>
+          <a:stretch>
+            <a:fillRect/>
+          </a:stretch>
+        </p:blipFill>
+        <p:spPr>
+          <a:xfrm>
+            <a:off x="4245610" y="1782445"/>
+            <a:ext cx="4780280" cy="4226560"/>
+          </a:xfrm>
+          <a:prstGeom prst="rect">
+            <a:avLst/>
+          </a:prstGeom>
+        </p:spPr>
+      </p:pic>
+      <p:pic>
+        <p:nvPicPr>
+          <p:cNvPr id="8" name="Picture 7" descr="residuals vs predicted"/>
+          <p:cNvPicPr>
+            <a:picLocks noChangeAspect="1"/>
+          </p:cNvPicPr>
+          <p:nvPr/>
+        </p:nvPicPr>
+        <p:blipFill>
+          <a:blip r:embed="rId2"/>
+          <a:stretch>
+            <a:fillRect/>
+          </a:stretch>
+        </p:blipFill>
+        <p:spPr>
+          <a:xfrm>
+            <a:off x="-157480" y="1785620"/>
+            <a:ext cx="4947285" cy="4391660"/>
+          </a:xfrm>
+          <a:prstGeom prst="rect">
+            <a:avLst/>
+          </a:prstGeom>
+        </p:spPr>
+      </p:pic>
     </p:spTree>
   </p:cSld>
   <p:clrMapOvr>
